--- a/Report.pptx
+++ b/Report.pptx
@@ -261,7 +261,7 @@
           <a:p>
             <a:fld id="{96E9B245-2076-40CB-ACDE-D58775C98695}" type="datetimeFigureOut">
               <a:rPr lang="ko-KR" altLang="en-US" smtClean="0"/>
-              <a:t>2020-11-25</a:t>
+              <a:t>2020-11-27</a:t>
             </a:fld>
             <a:endParaRPr lang="ko-KR" altLang="en-US"/>
           </a:p>
@@ -459,7 +459,7 @@
           <a:p>
             <a:fld id="{96E9B245-2076-40CB-ACDE-D58775C98695}" type="datetimeFigureOut">
               <a:rPr lang="ko-KR" altLang="en-US" smtClean="0"/>
-              <a:t>2020-11-25</a:t>
+              <a:t>2020-11-27</a:t>
             </a:fld>
             <a:endParaRPr lang="ko-KR" altLang="en-US"/>
           </a:p>
@@ -667,7 +667,7 @@
           <a:p>
             <a:fld id="{96E9B245-2076-40CB-ACDE-D58775C98695}" type="datetimeFigureOut">
               <a:rPr lang="ko-KR" altLang="en-US" smtClean="0"/>
-              <a:t>2020-11-25</a:t>
+              <a:t>2020-11-27</a:t>
             </a:fld>
             <a:endParaRPr lang="ko-KR" altLang="en-US"/>
           </a:p>
@@ -865,7 +865,7 @@
           <a:p>
             <a:fld id="{96E9B245-2076-40CB-ACDE-D58775C98695}" type="datetimeFigureOut">
               <a:rPr lang="ko-KR" altLang="en-US" smtClean="0"/>
-              <a:t>2020-11-25</a:t>
+              <a:t>2020-11-27</a:t>
             </a:fld>
             <a:endParaRPr lang="ko-KR" altLang="en-US"/>
           </a:p>
@@ -1140,7 +1140,7 @@
           <a:p>
             <a:fld id="{96E9B245-2076-40CB-ACDE-D58775C98695}" type="datetimeFigureOut">
               <a:rPr lang="ko-KR" altLang="en-US" smtClean="0"/>
-              <a:t>2020-11-25</a:t>
+              <a:t>2020-11-27</a:t>
             </a:fld>
             <a:endParaRPr lang="ko-KR" altLang="en-US"/>
           </a:p>
@@ -1405,7 +1405,7 @@
           <a:p>
             <a:fld id="{96E9B245-2076-40CB-ACDE-D58775C98695}" type="datetimeFigureOut">
               <a:rPr lang="ko-KR" altLang="en-US" smtClean="0"/>
-              <a:t>2020-11-25</a:t>
+              <a:t>2020-11-27</a:t>
             </a:fld>
             <a:endParaRPr lang="ko-KR" altLang="en-US"/>
           </a:p>
@@ -1817,7 +1817,7 @@
           <a:p>
             <a:fld id="{96E9B245-2076-40CB-ACDE-D58775C98695}" type="datetimeFigureOut">
               <a:rPr lang="ko-KR" altLang="en-US" smtClean="0"/>
-              <a:t>2020-11-25</a:t>
+              <a:t>2020-11-27</a:t>
             </a:fld>
             <a:endParaRPr lang="ko-KR" altLang="en-US"/>
           </a:p>
@@ -1958,7 +1958,7 @@
           <a:p>
             <a:fld id="{96E9B245-2076-40CB-ACDE-D58775C98695}" type="datetimeFigureOut">
               <a:rPr lang="ko-KR" altLang="en-US" smtClean="0"/>
-              <a:t>2020-11-25</a:t>
+              <a:t>2020-11-27</a:t>
             </a:fld>
             <a:endParaRPr lang="ko-KR" altLang="en-US"/>
           </a:p>
@@ -2071,7 +2071,7 @@
           <a:p>
             <a:fld id="{96E9B245-2076-40CB-ACDE-D58775C98695}" type="datetimeFigureOut">
               <a:rPr lang="ko-KR" altLang="en-US" smtClean="0"/>
-              <a:t>2020-11-25</a:t>
+              <a:t>2020-11-27</a:t>
             </a:fld>
             <a:endParaRPr lang="ko-KR" altLang="en-US"/>
           </a:p>
@@ -2382,7 +2382,7 @@
           <a:p>
             <a:fld id="{96E9B245-2076-40CB-ACDE-D58775C98695}" type="datetimeFigureOut">
               <a:rPr lang="ko-KR" altLang="en-US" smtClean="0"/>
-              <a:t>2020-11-25</a:t>
+              <a:t>2020-11-27</a:t>
             </a:fld>
             <a:endParaRPr lang="ko-KR" altLang="en-US"/>
           </a:p>
@@ -2670,7 +2670,7 @@
           <a:p>
             <a:fld id="{96E9B245-2076-40CB-ACDE-D58775C98695}" type="datetimeFigureOut">
               <a:rPr lang="ko-KR" altLang="en-US" smtClean="0"/>
-              <a:t>2020-11-25</a:t>
+              <a:t>2020-11-27</a:t>
             </a:fld>
             <a:endParaRPr lang="ko-KR" altLang="en-US"/>
           </a:p>
@@ -2911,7 +2911,7 @@
           <a:p>
             <a:fld id="{96E9B245-2076-40CB-ACDE-D58775C98695}" type="datetimeFigureOut">
               <a:rPr lang="ko-KR" altLang="en-US" smtClean="0"/>
-              <a:t>2020-11-25</a:t>
+              <a:t>2020-11-27</a:t>
             </a:fld>
             <a:endParaRPr lang="ko-KR" altLang="en-US"/>
           </a:p>
@@ -4571,7 +4571,7 @@
         <p:spPr>
           <a:xfrm>
             <a:off x="376334" y="3522306"/>
-            <a:ext cx="11439332" cy="584775"/>
+            <a:ext cx="11439332" cy="830997"/>
           </a:xfrm>
           <a:prstGeom prst="rect">
             <a:avLst/>
@@ -4585,54 +4585,70 @@
           <a:lstStyle/>
           <a:p>
             <a:r>
+              <a:rPr lang="en-US" altLang="ko-KR" sz="1600" dirty="0">
+                <a:latin typeface="+mn-ea"/>
+              </a:rPr>
+              <a:t>1</a:t>
+            </a:r>
+            <a:r>
               <a:rPr lang="en-US" altLang="ko-KR" sz="1600" dirty="0" smtClean="0">
-                <a:solidFill>
-                  <a:schemeClr val="bg2">
-                    <a:lumMod val="90000"/>
-                  </a:schemeClr>
-                </a:solidFill>
-                <a:latin typeface="+mn-ea"/>
-              </a:rPr>
-              <a:t>1.</a:t>
+                <a:latin typeface="+mn-ea"/>
+              </a:rPr>
+              <a:t>.</a:t>
             </a:r>
             <a:r>
               <a:rPr lang="ko-KR" altLang="en-US" sz="1600" dirty="0" smtClean="0">
-                <a:solidFill>
-                  <a:schemeClr val="bg2">
-                    <a:lumMod val="90000"/>
-                  </a:schemeClr>
-                </a:solidFill>
-                <a:latin typeface="+mn-ea"/>
-              </a:rPr>
-              <a:t>인식한 물체가 먹을 수 있는 것인 지 구별해 주기</a:t>
+                <a:latin typeface="+mn-ea"/>
+              </a:rPr>
+              <a:t>인식한 물체가 유통기한이 지났는 지 안 지났는 지 구별하기</a:t>
             </a:r>
             <a:endParaRPr lang="en-US" altLang="ko-KR" sz="1600" dirty="0" smtClean="0">
-              <a:solidFill>
-                <a:schemeClr val="bg2">
-                  <a:lumMod val="90000"/>
-                </a:schemeClr>
-              </a:solidFill>
               <a:latin typeface="+mn-ea"/>
             </a:endParaRPr>
           </a:p>
           <a:p>
             <a:r>
               <a:rPr lang="en-US" altLang="ko-KR" sz="1600" dirty="0" smtClean="0">
-                <a:solidFill>
-                  <a:schemeClr val="bg2">
-                    <a:lumMod val="90000"/>
-                  </a:schemeClr>
-                </a:solidFill>
                 <a:latin typeface="+mn-ea"/>
               </a:rPr>
               <a:t>2.</a:t>
             </a:r>
+            <a:r>
+              <a:rPr lang="ko-KR" altLang="en-US" sz="1600" dirty="0" smtClean="0">
+                <a:latin typeface="+mn-ea"/>
+              </a:rPr>
+              <a:t>인식한 물체가 어떤 캐릭터인 지 </a:t>
+            </a:r>
+            <a:r>
+              <a:rPr lang="ko-KR" altLang="en-US" sz="1600" dirty="0" smtClean="0">
+                <a:latin typeface="+mn-ea"/>
+              </a:rPr>
+              <a:t>캐릭터 이름 알려주기</a:t>
+            </a:r>
+            <a:endParaRPr lang="en-US" altLang="ko-KR" sz="1600" dirty="0" smtClean="0">
+              <a:latin typeface="+mn-ea"/>
+            </a:endParaRPr>
+          </a:p>
+          <a:p>
+            <a:r>
+              <a:rPr lang="en-US" altLang="ko-KR" sz="1600" dirty="0" smtClean="0">
+                <a:latin typeface="+mn-ea"/>
+              </a:rPr>
+              <a:t>3</a:t>
+            </a:r>
+            <a:r>
+              <a:rPr lang="en-US" altLang="ko-KR" sz="1600" dirty="0" smtClean="0">
+                <a:latin typeface="+mn-ea"/>
+              </a:rPr>
+              <a:t>.</a:t>
+            </a:r>
+            <a:r>
+              <a:rPr lang="ko-KR" altLang="en-US" sz="1600" dirty="0" smtClean="0">
+                <a:latin typeface="+mn-ea"/>
+              </a:rPr>
+              <a:t>노래 가사 인식해서 노래 제목 알려주기</a:t>
+            </a:r>
             <a:endParaRPr lang="ko-KR" altLang="en-US" sz="1600" dirty="0">
-              <a:solidFill>
-                <a:schemeClr val="bg2">
-                  <a:lumMod val="90000"/>
-                </a:schemeClr>
-              </a:solidFill>
               <a:latin typeface="+mn-ea"/>
             </a:endParaRPr>
           </a:p>
@@ -4748,7 +4764,7 @@
         <p:spPr>
           <a:xfrm>
             <a:off x="376335" y="1077942"/>
-            <a:ext cx="11439332" cy="1077218"/>
+            <a:ext cx="11439332" cy="1323439"/>
           </a:xfrm>
           <a:prstGeom prst="rect">
             <a:avLst/>
@@ -4761,17 +4777,20 @@
           </a:bodyPr>
           <a:lstStyle/>
           <a:p>
-            <a:r>
-              <a:rPr lang="en-US" altLang="ko-KR" sz="1600" dirty="0">
-                <a:solidFill>
-                  <a:schemeClr val="tx1">
-                    <a:lumMod val="85000"/>
-                    <a:lumOff val="15000"/>
-                  </a:schemeClr>
-                </a:solidFill>
-                <a:latin typeface="+mn-ea"/>
-              </a:rPr>
-              <a:t>1. </a:t>
+            <a:pPr marL="342900" indent="-342900">
+              <a:buAutoNum type="arabicPeriod"/>
+            </a:pPr>
+            <a:r>
+              <a:rPr lang="ko-KR" altLang="en-US" sz="1600" dirty="0" smtClean="0">
+                <a:solidFill>
+                  <a:schemeClr val="tx1">
+                    <a:lumMod val="85000"/>
+                    <a:lumOff val="15000"/>
+                  </a:schemeClr>
+                </a:solidFill>
+                <a:latin typeface="+mn-ea"/>
+              </a:rPr>
+              <a:t>개발한 </a:t>
             </a:r>
             <a:r>
               <a:rPr lang="ko-KR" altLang="en-US" sz="1600" dirty="0">
@@ -4783,7 +4802,7 @@
                 </a:solidFill>
                 <a:latin typeface="+mn-ea"/>
               </a:rPr>
-              <a:t>개발한 웹 애플리케이션의 이름은</a:t>
+              <a:t>웹 애플리케이션의 이름은</a:t>
             </a:r>
             <a:r>
               <a:rPr lang="en-US" altLang="ko-KR" sz="1600" dirty="0">
@@ -4809,6 +4828,18 @@
               </a:rPr>
             </a:br>
             <a:r>
+              <a:rPr lang="ko-KR" altLang="en-US" sz="1600" dirty="0" smtClean="0">
+                <a:solidFill>
+                  <a:schemeClr val="tx1">
+                    <a:lumMod val="85000"/>
+                    <a:lumOff val="15000"/>
+                  </a:schemeClr>
+                </a:solidFill>
+                <a:latin typeface="+mn-ea"/>
+              </a:rPr>
+              <a:t>밋시</a:t>
+            </a:r>
+            <a:r>
               <a:rPr lang="en-US" altLang="ko-KR" sz="1600" dirty="0">
                 <a:solidFill>
                   <a:schemeClr val="tx1">
@@ -4831,66 +4862,7 @@
                 <a:latin typeface="+mn-ea"/>
               </a:rPr>
             </a:br>
-            <a:r>
-              <a:rPr lang="en-US" altLang="ko-KR" sz="1600" dirty="0">
-                <a:solidFill>
-                  <a:schemeClr val="tx1">
-                    <a:lumMod val="85000"/>
-                    <a:lumOff val="15000"/>
-                  </a:schemeClr>
-                </a:solidFill>
-                <a:latin typeface="+mn-ea"/>
-              </a:rPr>
-              <a:t/>
-            </a:r>
-            <a:br>
-              <a:rPr lang="en-US" altLang="ko-KR" sz="1600" dirty="0">
-                <a:solidFill>
-                  <a:schemeClr val="tx1">
-                    <a:lumMod val="85000"/>
-                    <a:lumOff val="15000"/>
-                  </a:schemeClr>
-                </a:solidFill>
-                <a:latin typeface="+mn-ea"/>
-              </a:rPr>
-            </a:br>
-            <a:r>
-              <a:rPr lang="en-US" altLang="ko-KR" sz="1600" dirty="0">
-                <a:solidFill>
-                  <a:schemeClr val="tx1">
-                    <a:lumMod val="85000"/>
-                    <a:lumOff val="15000"/>
-                  </a:schemeClr>
-                </a:solidFill>
-                <a:latin typeface="+mn-ea"/>
-              </a:rPr>
-              <a:t>2. </a:t>
-            </a:r>
-            <a:r>
-              <a:rPr lang="ko-KR" altLang="en-US" sz="1600" dirty="0">
-                <a:solidFill>
-                  <a:schemeClr val="tx1">
-                    <a:lumMod val="85000"/>
-                    <a:lumOff val="15000"/>
-                  </a:schemeClr>
-                </a:solidFill>
-                <a:latin typeface="+mn-ea"/>
-              </a:rPr>
-              <a:t>생성한 모델에 대해서 설명하세요</a:t>
-            </a:r>
-            <a:r>
-              <a:rPr lang="en-US" altLang="ko-KR" sz="1600" dirty="0">
-                <a:solidFill>
-                  <a:schemeClr val="tx1">
-                    <a:lumMod val="85000"/>
-                    <a:lumOff val="15000"/>
-                  </a:schemeClr>
-                </a:solidFill>
-                <a:latin typeface="+mn-ea"/>
-              </a:rPr>
-              <a:t>.</a:t>
-            </a:r>
-            <a:endParaRPr lang="ko-KR" altLang="en-US" sz="1600" dirty="0">
+            <a:endParaRPr lang="en-US" altLang="ko-KR" sz="1600" dirty="0" smtClean="0">
               <a:solidFill>
                 <a:schemeClr val="tx1">
                   <a:lumMod val="85000"/>
@@ -4899,6 +4871,61 @@
               </a:solidFill>
               <a:latin typeface="+mn-ea"/>
             </a:endParaRPr>
+          </a:p>
+          <a:p>
+            <a:pPr marL="342900" indent="-342900">
+              <a:buAutoNum type="arabicPeriod"/>
+            </a:pPr>
+            <a:r>
+              <a:rPr lang="ko-KR" altLang="en-US" sz="1600" dirty="0" smtClean="0">
+                <a:solidFill>
+                  <a:schemeClr val="tx1">
+                    <a:lumMod val="85000"/>
+                    <a:lumOff val="15000"/>
+                  </a:schemeClr>
+                </a:solidFill>
+                <a:latin typeface="+mn-ea"/>
+              </a:rPr>
+              <a:t>생성한 </a:t>
+            </a:r>
+            <a:r>
+              <a:rPr lang="ko-KR" altLang="en-US" sz="1600" dirty="0">
+                <a:solidFill>
+                  <a:schemeClr val="tx1">
+                    <a:lumMod val="85000"/>
+                    <a:lumOff val="15000"/>
+                  </a:schemeClr>
+                </a:solidFill>
+                <a:latin typeface="+mn-ea"/>
+              </a:rPr>
+              <a:t>모델에 대해서 설명하세요</a:t>
+            </a:r>
+            <a:r>
+              <a:rPr lang="en-US" altLang="ko-KR" sz="1600" dirty="0" smtClean="0">
+                <a:solidFill>
+                  <a:schemeClr val="tx1">
+                    <a:lumMod val="85000"/>
+                    <a:lumOff val="15000"/>
+                  </a:schemeClr>
+                </a:solidFill>
+                <a:latin typeface="+mn-ea"/>
+              </a:rPr>
+              <a:t>.</a:t>
+            </a:r>
+          </a:p>
+          <a:p>
+            <a:r>
+              <a:rPr lang="en-US" altLang="ko-KR" sz="1600" dirty="0" smtClean="0">
+                <a:solidFill>
+                  <a:schemeClr val="tx1">
+                    <a:lumMod val="85000"/>
+                    <a:lumOff val="15000"/>
+                  </a:schemeClr>
+                </a:solidFill>
+                <a:latin typeface="+mn-ea"/>
+              </a:rPr>
+              <a:t>     </a:t>
+            </a:r>
           </a:p>
         </p:txBody>
       </p:sp>

--- a/Report.pptx
+++ b/Report.pptx
@@ -4600,7 +4600,13 @@
               <a:rPr lang="ko-KR" altLang="en-US" sz="1600" dirty="0" smtClean="0">
                 <a:latin typeface="+mn-ea"/>
               </a:rPr>
-              <a:t>인식한 물체가 유통기한이 지났는 지 안 지났는 지 구별하기</a:t>
+              <a:t>인식한 물체가 유통기한이 지났는 지 안 지났는 지 </a:t>
+            </a:r>
+            <a:r>
+              <a:rPr lang="ko-KR" altLang="en-US" sz="1600" dirty="0" smtClean="0">
+                <a:latin typeface="+mn-ea"/>
+              </a:rPr>
+              <a:t>구별해준다</a:t>
             </a:r>
             <a:endParaRPr lang="en-US" altLang="ko-KR" sz="1600" dirty="0" smtClean="0">
               <a:latin typeface="+mn-ea"/>
@@ -4611,19 +4617,19 @@
               <a:rPr lang="en-US" altLang="ko-KR" sz="1600" dirty="0" smtClean="0">
                 <a:latin typeface="+mn-ea"/>
               </a:rPr>
-              <a:t>2.</a:t>
+              <a:t>2</a:t>
+            </a:r>
+            <a:r>
+              <a:rPr lang="en-US" altLang="ko-KR" sz="1600" dirty="0" smtClean="0">
+                <a:latin typeface="+mn-ea"/>
+              </a:rPr>
+              <a:t>.</a:t>
             </a:r>
             <a:r>
               <a:rPr lang="ko-KR" altLang="en-US" sz="1600" dirty="0" smtClean="0">
                 <a:latin typeface="+mn-ea"/>
               </a:rPr>
-              <a:t>인식한 물체가 어떤 캐릭터인 지 </a:t>
-            </a:r>
-            <a:r>
-              <a:rPr lang="ko-KR" altLang="en-US" sz="1600" dirty="0" smtClean="0">
-                <a:latin typeface="+mn-ea"/>
-              </a:rPr>
-              <a:t>캐릭터 이름 알려주기</a:t>
+              <a:t>얼굴을 인식하면 닮은 꼴의 캐릭터가 나온다</a:t>
             </a:r>
             <a:endParaRPr lang="en-US" altLang="ko-KR" sz="1600" dirty="0" smtClean="0">
               <a:latin typeface="+mn-ea"/>
@@ -4646,7 +4652,13 @@
               <a:rPr lang="ko-KR" altLang="en-US" sz="1600" dirty="0" smtClean="0">
                 <a:latin typeface="+mn-ea"/>
               </a:rPr>
-              <a:t>노래 가사 인식해서 노래 제목 알려주기</a:t>
+              <a:t>노래 가사 인식해서 노래 제목 </a:t>
+            </a:r>
+            <a:r>
+              <a:rPr lang="ko-KR" altLang="en-US" sz="1600" dirty="0" smtClean="0">
+                <a:latin typeface="+mn-ea"/>
+              </a:rPr>
+              <a:t>알려준다</a:t>
             </a:r>
             <a:endParaRPr lang="ko-KR" altLang="en-US" sz="1600" dirty="0">
               <a:latin typeface="+mn-ea"/>
@@ -4926,6 +4938,39 @@
               </a:rPr>
               <a:t>     </a:t>
             </a:r>
+            <a:r>
+              <a:rPr lang="ko-KR" altLang="en-US" sz="1600" dirty="0" smtClean="0">
+                <a:solidFill>
+                  <a:schemeClr val="tx1">
+                    <a:lumMod val="85000"/>
+                    <a:lumOff val="15000"/>
+                  </a:schemeClr>
+                </a:solidFill>
+                <a:latin typeface="+mn-ea"/>
+              </a:rPr>
+              <a:t>얼굴을 인식하면 닮은 꼴의 캐릭터가 나온다</a:t>
+            </a:r>
+            <a:r>
+              <a:rPr lang="en-US" altLang="ko-KR" sz="1600" dirty="0" smtClean="0">
+                <a:solidFill>
+                  <a:schemeClr val="tx1">
+                    <a:lumMod val="85000"/>
+                    <a:lumOff val="15000"/>
+                  </a:schemeClr>
+                </a:solidFill>
+                <a:latin typeface="+mn-ea"/>
+              </a:rPr>
+              <a:t>.</a:t>
+            </a:r>
+            <a:endParaRPr lang="en-US" altLang="ko-KR" sz="1600" dirty="0" smtClean="0">
+              <a:solidFill>
+                <a:schemeClr val="tx1">
+                  <a:lumMod val="85000"/>
+                  <a:lumOff val="15000"/>
+                </a:schemeClr>
+              </a:solidFill>
+              <a:latin typeface="+mn-ea"/>
+            </a:endParaRPr>
           </a:p>
         </p:txBody>
       </p:sp>
